--- a/материалы/Описание проекта SYTKI.pptx
+++ b/материалы/Описание проекта SYTKI.pptx
@@ -272,7 +272,7 @@
           <a:p>
             <a:fld id="{1D0CD254-101A-4B33-B687-91C62AD6E14C}" type="datetimeFigureOut">
               <a:rPr lang="ru-RU" smtClean="0"/>
-              <a:t>13.10.2023</a:t>
+              <a:t>26.10.2023</a:t>
             </a:fld>
             <a:endParaRPr lang="ru-RU"/>
           </a:p>
@@ -440,7 +440,7 @@
           <a:p>
             <a:fld id="{1D0CD254-101A-4B33-B687-91C62AD6E14C}" type="datetimeFigureOut">
               <a:rPr lang="ru-RU" smtClean="0"/>
-              <a:t>13.10.2023</a:t>
+              <a:t>26.10.2023</a:t>
             </a:fld>
             <a:endParaRPr lang="ru-RU"/>
           </a:p>
@@ -618,7 +618,7 @@
           <a:p>
             <a:fld id="{1D0CD254-101A-4B33-B687-91C62AD6E14C}" type="datetimeFigureOut">
               <a:rPr lang="ru-RU" smtClean="0"/>
-              <a:t>13.10.2023</a:t>
+              <a:t>26.10.2023</a:t>
             </a:fld>
             <a:endParaRPr lang="ru-RU"/>
           </a:p>
@@ -786,7 +786,7 @@
           <a:p>
             <a:fld id="{1D0CD254-101A-4B33-B687-91C62AD6E14C}" type="datetimeFigureOut">
               <a:rPr lang="ru-RU" smtClean="0"/>
-              <a:t>13.10.2023</a:t>
+              <a:t>26.10.2023</a:t>
             </a:fld>
             <a:endParaRPr lang="ru-RU"/>
           </a:p>
@@ -1031,7 +1031,7 @@
           <a:p>
             <a:fld id="{1D0CD254-101A-4B33-B687-91C62AD6E14C}" type="datetimeFigureOut">
               <a:rPr lang="ru-RU" smtClean="0"/>
-              <a:t>13.10.2023</a:t>
+              <a:t>26.10.2023</a:t>
             </a:fld>
             <a:endParaRPr lang="ru-RU"/>
           </a:p>
@@ -1260,7 +1260,7 @@
           <a:p>
             <a:fld id="{1D0CD254-101A-4B33-B687-91C62AD6E14C}" type="datetimeFigureOut">
               <a:rPr lang="ru-RU" smtClean="0"/>
-              <a:t>13.10.2023</a:t>
+              <a:t>26.10.2023</a:t>
             </a:fld>
             <a:endParaRPr lang="ru-RU"/>
           </a:p>
@@ -1624,7 +1624,7 @@
           <a:p>
             <a:fld id="{1D0CD254-101A-4B33-B687-91C62AD6E14C}" type="datetimeFigureOut">
               <a:rPr lang="ru-RU" smtClean="0"/>
-              <a:t>13.10.2023</a:t>
+              <a:t>26.10.2023</a:t>
             </a:fld>
             <a:endParaRPr lang="ru-RU"/>
           </a:p>
@@ -1741,7 +1741,7 @@
           <a:p>
             <a:fld id="{1D0CD254-101A-4B33-B687-91C62AD6E14C}" type="datetimeFigureOut">
               <a:rPr lang="ru-RU" smtClean="0"/>
-              <a:t>13.10.2023</a:t>
+              <a:t>26.10.2023</a:t>
             </a:fld>
             <a:endParaRPr lang="ru-RU"/>
           </a:p>
@@ -1836,7 +1836,7 @@
           <a:p>
             <a:fld id="{1D0CD254-101A-4B33-B687-91C62AD6E14C}" type="datetimeFigureOut">
               <a:rPr lang="ru-RU" smtClean="0"/>
-              <a:t>13.10.2023</a:t>
+              <a:t>26.10.2023</a:t>
             </a:fld>
             <a:endParaRPr lang="ru-RU"/>
           </a:p>
@@ -2111,7 +2111,7 @@
           <a:p>
             <a:fld id="{1D0CD254-101A-4B33-B687-91C62AD6E14C}" type="datetimeFigureOut">
               <a:rPr lang="ru-RU" smtClean="0"/>
-              <a:t>13.10.2023</a:t>
+              <a:t>26.10.2023</a:t>
             </a:fld>
             <a:endParaRPr lang="ru-RU"/>
           </a:p>
@@ -2363,7 +2363,7 @@
           <a:p>
             <a:fld id="{1D0CD254-101A-4B33-B687-91C62AD6E14C}" type="datetimeFigureOut">
               <a:rPr lang="ru-RU" smtClean="0"/>
-              <a:t>13.10.2023</a:t>
+              <a:t>26.10.2023</a:t>
             </a:fld>
             <a:endParaRPr lang="ru-RU"/>
           </a:p>
@@ -2574,7 +2574,7 @@
           <a:p>
             <a:fld id="{1D0CD254-101A-4B33-B687-91C62AD6E14C}" type="datetimeFigureOut">
               <a:rPr lang="ru-RU" smtClean="0"/>
-              <a:t>13.10.2023</a:t>
+              <a:t>26.10.2023</a:t>
             </a:fld>
             <a:endParaRPr lang="ru-RU"/>
           </a:p>
@@ -4953,6 +4953,14 @@
             <a:pPr marL="0" indent="0">
               <a:buNone/>
             </a:pPr>
+            <a:r>
+              <a:rPr lang="ru-RU" sz="1400" dirty="0">
+                <a:solidFill>
+                  <a:srgbClr val="FF0000"/>
+                </a:solidFill>
+              </a:rPr>
+              <a:t/>
+            </a:r>
             <a:br>
               <a:rPr lang="ru-RU" sz="1400" dirty="0">
                 <a:solidFill>
@@ -5268,6 +5276,10 @@
             </a:r>
           </a:p>
           <a:p>
+            <a:r>
+              <a:rPr lang="ru-RU" sz="1600" dirty="0"/>
+              <a:t/>
+            </a:r>
             <a:br>
               <a:rPr lang="ru-RU" sz="1600" dirty="0"/>
             </a:br>
@@ -6021,6 +6033,14 @@
                 </a:solidFill>
               </a:rPr>
               <a:t> инструкции).</a:t>
+            </a:r>
+            <a:r>
+              <a:rPr lang="ru-RU" sz="2400" dirty="0">
+                <a:solidFill>
+                  <a:srgbClr val="FF0000"/>
+                </a:solidFill>
+              </a:rPr>
+              <a:t/>
             </a:r>
             <a:br>
               <a:rPr lang="ru-RU" sz="2400" dirty="0">
